--- a/v1.2/spec/v12-discussion.pptx
+++ b/v1.2/spec/v12-discussion.pptx
@@ -257,7 +257,7 @@
           <a:p>
             <a:fld id="{B605C040-19C5-8D41-8DD7-390E7CED0A01}" type="datetimeFigureOut">
               <a:rPr lang="en-US" smtClean="0"/>
-              <a:t>4/25/16</a:t>
+              <a:t>5/9/16</a:t>
             </a:fld>
             <a:endParaRPr lang="en-US"/>
           </a:p>
@@ -427,7 +427,7 @@
           <a:p>
             <a:fld id="{B605C040-19C5-8D41-8DD7-390E7CED0A01}" type="datetimeFigureOut">
               <a:rPr lang="en-US" smtClean="0"/>
-              <a:t>4/25/16</a:t>
+              <a:t>5/9/16</a:t>
             </a:fld>
             <a:endParaRPr lang="en-US"/>
           </a:p>
@@ -607,7 +607,7 @@
           <a:p>
             <a:fld id="{B605C040-19C5-8D41-8DD7-390E7CED0A01}" type="datetimeFigureOut">
               <a:rPr lang="en-US" smtClean="0"/>
-              <a:t>4/25/16</a:t>
+              <a:t>5/9/16</a:t>
             </a:fld>
             <a:endParaRPr lang="en-US"/>
           </a:p>
@@ -777,7 +777,7 @@
           <a:p>
             <a:fld id="{B605C040-19C5-8D41-8DD7-390E7CED0A01}" type="datetimeFigureOut">
               <a:rPr lang="en-US" smtClean="0"/>
-              <a:t>4/25/16</a:t>
+              <a:t>5/9/16</a:t>
             </a:fld>
             <a:endParaRPr lang="en-US"/>
           </a:p>
@@ -1023,7 +1023,7 @@
           <a:p>
             <a:fld id="{B605C040-19C5-8D41-8DD7-390E7CED0A01}" type="datetimeFigureOut">
               <a:rPr lang="en-US" smtClean="0"/>
-              <a:t>4/25/16</a:t>
+              <a:t>5/9/16</a:t>
             </a:fld>
             <a:endParaRPr lang="en-US"/>
           </a:p>
@@ -1255,7 +1255,7 @@
           <a:p>
             <a:fld id="{B605C040-19C5-8D41-8DD7-390E7CED0A01}" type="datetimeFigureOut">
               <a:rPr lang="en-US" smtClean="0"/>
-              <a:t>4/25/16</a:t>
+              <a:t>5/9/16</a:t>
             </a:fld>
             <a:endParaRPr lang="en-US"/>
           </a:p>
@@ -1622,7 +1622,7 @@
           <a:p>
             <a:fld id="{B605C040-19C5-8D41-8DD7-390E7CED0A01}" type="datetimeFigureOut">
               <a:rPr lang="en-US" smtClean="0"/>
-              <a:t>4/25/16</a:t>
+              <a:t>5/9/16</a:t>
             </a:fld>
             <a:endParaRPr lang="en-US"/>
           </a:p>
@@ -1740,7 +1740,7 @@
           <a:p>
             <a:fld id="{B605C040-19C5-8D41-8DD7-390E7CED0A01}" type="datetimeFigureOut">
               <a:rPr lang="en-US" smtClean="0"/>
-              <a:t>4/25/16</a:t>
+              <a:t>5/9/16</a:t>
             </a:fld>
             <a:endParaRPr lang="en-US"/>
           </a:p>
@@ -1835,7 +1835,7 @@
           <a:p>
             <a:fld id="{B605C040-19C5-8D41-8DD7-390E7CED0A01}" type="datetimeFigureOut">
               <a:rPr lang="en-US" smtClean="0"/>
-              <a:t>4/25/16</a:t>
+              <a:t>5/9/16</a:t>
             </a:fld>
             <a:endParaRPr lang="en-US"/>
           </a:p>
@@ -2112,7 +2112,7 @@
           <a:p>
             <a:fld id="{B605C040-19C5-8D41-8DD7-390E7CED0A01}" type="datetimeFigureOut">
               <a:rPr lang="en-US" smtClean="0"/>
-              <a:t>4/25/16</a:t>
+              <a:t>5/9/16</a:t>
             </a:fld>
             <a:endParaRPr lang="en-US"/>
           </a:p>
@@ -2365,7 +2365,7 @@
           <a:p>
             <a:fld id="{B605C040-19C5-8D41-8DD7-390E7CED0A01}" type="datetimeFigureOut">
               <a:rPr lang="en-US" smtClean="0"/>
-              <a:t>4/25/16</a:t>
+              <a:t>5/9/16</a:t>
             </a:fld>
             <a:endParaRPr lang="en-US"/>
           </a:p>
@@ -2578,7 +2578,7 @@
           <a:p>
             <a:fld id="{B605C040-19C5-8D41-8DD7-390E7CED0A01}" type="datetimeFigureOut">
               <a:rPr lang="en-US" smtClean="0"/>
-              <a:t>4/25/16</a:t>
+              <a:t>5/9/16</a:t>
             </a:fld>
             <a:endParaRPr lang="en-US"/>
           </a:p>
@@ -3023,7 +3023,11 @@
           <a:p>
             <a:r>
               <a:rPr lang="en-US" dirty="0" smtClean="0"/>
-              <a:t>April 2016</a:t>
+              <a:t>April/May </a:t>
+            </a:r>
+            <a:r>
+              <a:rPr lang="en-US" dirty="0" smtClean="0"/>
+              <a:t>2016</a:t>
             </a:r>
           </a:p>
           <a:p>
@@ -3489,8 +3493,8 @@
         </p:nvSpPr>
         <p:spPr>
           <a:xfrm>
-            <a:off x="838199" y="1825624"/>
-            <a:ext cx="11076709" cy="4616739"/>
+            <a:off x="316089" y="1591733"/>
+            <a:ext cx="11598819" cy="5046133"/>
           </a:xfrm>
         </p:spPr>
         <p:txBody>
@@ -3519,6 +3523,7 @@
               <a:rPr lang="en-US" dirty="0" smtClean="0"/>
               <a:t>)</a:t>
             </a:r>
+            <a:endParaRPr lang="en-US" dirty="0" smtClean="0"/>
           </a:p>
           <a:p>
             <a:pPr lvl="1"/>
@@ -3551,8 +3556,20 @@
           <a:p>
             <a:r>
               <a:rPr lang="en-US" dirty="0" smtClean="0"/>
-              <a:t>[15]: Can we add default parameter initializers?</a:t>
-            </a:r>
+              <a:t>[15]: Can we add default parameter initializers</a:t>
+            </a:r>
+            <a:r>
+              <a:rPr lang="en-US" dirty="0" smtClean="0"/>
+              <a:t>?</a:t>
+            </a:r>
+          </a:p>
+          <a:p>
+            <a:pPr lvl="1"/>
+            <a:r>
+              <a:rPr lang="en-US" dirty="0" smtClean="0"/>
+              <a:t>action a(in bit&lt;32&gt; x = 6)</a:t>
+            </a:r>
+            <a:endParaRPr lang="en-US" dirty="0" smtClean="0"/>
           </a:p>
           <a:p>
             <a:pPr lvl="1"/>
@@ -3651,7 +3668,12 @@
             <p:ph idx="1"/>
           </p:nvPr>
         </p:nvSpPr>
-        <p:spPr/>
+        <p:spPr>
+          <a:xfrm>
+            <a:off x="327378" y="1512712"/>
+            <a:ext cx="11616266" cy="5034844"/>
+          </a:xfrm>
+        </p:spPr>
         <p:txBody>
           <a:bodyPr/>
           <a:lstStyle/>
@@ -3693,7 +3715,71 @@
             <a:pPr lvl="1"/>
             <a:r>
               <a:rPr lang="en-US" dirty="0" smtClean="0"/>
-              <a:t>This is a complex topic, which deserves a debate of its own</a:t>
+              <a:t>This is a complex topic, which deserves a debate of its </a:t>
+            </a:r>
+            <a:r>
+              <a:rPr lang="en-US" dirty="0" smtClean="0"/>
+              <a:t>own</a:t>
+            </a:r>
+          </a:p>
+          <a:p>
+            <a:pPr lvl="1"/>
+            <a:r>
+              <a:rPr lang="en-US" dirty="0" smtClean="0"/>
+              <a:t>@atomic </a:t>
+            </a:r>
+            <a:r>
+              <a:rPr lang="en-US" b="1" dirty="0" smtClean="0"/>
+              <a:t>control</a:t>
+            </a:r>
+            <a:r>
+              <a:rPr lang="en-US" dirty="0" smtClean="0"/>
+              <a:t> c() { </a:t>
+            </a:r>
+            <a:br>
+              <a:rPr lang="en-US" dirty="0" smtClean="0"/>
+            </a:br>
+            <a:r>
+              <a:rPr lang="en-US" dirty="0" smtClean="0"/>
+              <a:t>    Register(1024) r;</a:t>
+            </a:r>
+            <a:br>
+              <a:rPr lang="en-US" dirty="0" smtClean="0"/>
+            </a:br>
+            <a:r>
+              <a:rPr lang="en-US" dirty="0" smtClean="0"/>
+              <a:t>    </a:t>
+            </a:r>
+            <a:r>
+              <a:rPr lang="en-US" b="1" dirty="0" smtClean="0"/>
+              <a:t>apply</a:t>
+            </a:r>
+            <a:r>
+              <a:rPr lang="en-US" dirty="0" smtClean="0"/>
+              <a:t> { value = </a:t>
+            </a:r>
+            <a:r>
+              <a:rPr lang="en-US" dirty="0" err="1" smtClean="0"/>
+              <a:t>r.get</a:t>
+            </a:r>
+            <a:r>
+              <a:rPr lang="en-US" dirty="0" smtClean="0"/>
+              <a:t>(ix); </a:t>
+            </a:r>
+            <a:r>
+              <a:rPr lang="en-US" dirty="0" err="1" smtClean="0"/>
+              <a:t>r.set</a:t>
+            </a:r>
+            <a:r>
+              <a:rPr lang="en-US" dirty="0" smtClean="0"/>
+              <a:t>(ix, value); }</a:t>
+            </a:r>
+            <a:br>
+              <a:rPr lang="en-US" dirty="0" smtClean="0"/>
+            </a:br>
+            <a:r>
+              <a:rPr lang="en-US" dirty="0" smtClean="0"/>
+              <a:t>}</a:t>
             </a:r>
             <a:endParaRPr lang="en-US" dirty="0"/>
           </a:p>
@@ -3776,8 +3862,21 @@
             <a:pPr lvl="1"/>
             <a:r>
               <a:rPr lang="en-US" dirty="0" smtClean="0"/>
-              <a:t>@size(10, 20)</a:t>
-            </a:r>
+              <a:t>@</a:t>
+            </a:r>
+            <a:r>
+              <a:rPr lang="en-US" dirty="0" smtClean="0"/>
+              <a:t>size(10</a:t>
+            </a:r>
+            <a:r>
+              <a:rPr lang="en-US" dirty="0" smtClean="0"/>
+              <a:t>, </a:t>
+            </a:r>
+            <a:r>
+              <a:rPr lang="en-US" dirty="0" smtClean="0"/>
+              <a:t>20)</a:t>
+            </a:r>
+            <a:endParaRPr lang="en-US" dirty="0" smtClean="0"/>
           </a:p>
           <a:p>
             <a:r>
@@ -3921,12 +4020,52 @@
               </a:rPr>
             </a:br>
             <a:r>
+              <a:rPr lang="en-US" dirty="0" smtClean="0">
+                <a:latin typeface="Consolas" charset="0"/>
+                <a:ea typeface="Consolas" charset="0"/>
+                <a:cs typeface="Consolas" charset="0"/>
+              </a:rPr>
+              <a:t>ck16.remove( </a:t>
+            </a:r>
+            <a:r>
               <a:rPr lang="en-US" dirty="0">
                 <a:latin typeface="Consolas" charset="0"/>
                 <a:ea typeface="Consolas" charset="0"/>
                 <a:cs typeface="Consolas" charset="0"/>
               </a:rPr>
-              <a:t>ck16.update( { header.ipv4.ttl, header.ipv4.proto } );</a:t>
+              <a:t>{ </a:t>
+            </a:r>
+            <a:r>
+              <a:rPr lang="en-US" dirty="0" smtClean="0">
+                <a:latin typeface="Consolas" charset="0"/>
+                <a:ea typeface="Consolas" charset="0"/>
+                <a:cs typeface="Consolas" charset="0"/>
+              </a:rPr>
+              <a:t>header.ipv4.ttl</a:t>
+            </a:r>
+            <a:r>
+              <a:rPr lang="en-US" dirty="0">
+                <a:latin typeface="Consolas" charset="0"/>
+                <a:ea typeface="Consolas" charset="0"/>
+                <a:cs typeface="Consolas" charset="0"/>
+              </a:rPr>
+              <a:t>, </a:t>
+            </a:r>
+            <a:r>
+              <a:rPr lang="en-US" dirty="0" smtClean="0">
+                <a:latin typeface="Consolas" charset="0"/>
+                <a:ea typeface="Consolas" charset="0"/>
+                <a:cs typeface="Consolas" charset="0"/>
+              </a:rPr>
+              <a:t>header.ipv4.proto </a:t>
+            </a:r>
+            <a:r>
+              <a:rPr lang="en-US" dirty="0">
+                <a:latin typeface="Consolas" charset="0"/>
+                <a:ea typeface="Consolas" charset="0"/>
+                <a:cs typeface="Consolas" charset="0"/>
+              </a:rPr>
+              <a:t>} );</a:t>
             </a:r>
             <a:br>
               <a:rPr lang="en-US" dirty="0">
@@ -3956,7 +4095,23 @@
                 <a:ea typeface="Consolas" charset="0"/>
                 <a:cs typeface="Consolas" charset="0"/>
               </a:rPr>
-              <a:t>ck16.update( { header.ipv4.ttl, header.ipv4.proto } );</a:t>
+              <a:t>ck16.update( { </a:t>
+            </a:r>
+            <a:r>
+              <a:rPr lang="en-US" dirty="0" smtClean="0">
+                <a:latin typeface="Consolas" charset="0"/>
+                <a:ea typeface="Consolas" charset="0"/>
+                <a:cs typeface="Consolas" charset="0"/>
+              </a:rPr>
+              <a:t>header.ipv4.ttl</a:t>
+            </a:r>
+            <a:r>
+              <a:rPr lang="en-US" dirty="0">
+                <a:latin typeface="Consolas" charset="0"/>
+                <a:ea typeface="Consolas" charset="0"/>
+                <a:cs typeface="Consolas" charset="0"/>
+              </a:rPr>
+              <a:t>, header.ipv4.proto } );</a:t>
             </a:r>
             <a:br>
               <a:rPr lang="en-US" dirty="0">
@@ -4050,8 +4205,19 @@
           <a:p>
             <a:r>
               <a:rPr lang="en-US" dirty="0" smtClean="0"/>
-              <a:t>Currently left out of the spec</a:t>
-            </a:r>
+              <a:t>Currently left out of the </a:t>
+            </a:r>
+            <a:r>
+              <a:rPr lang="en-US" dirty="0" smtClean="0"/>
+              <a:t>spec</a:t>
+            </a:r>
+          </a:p>
+          <a:p>
+            <a:r>
+              <a:rPr lang="en-US" dirty="0" smtClean="0"/>
+              <a:t>Only headers inside – only one can be valid at a time</a:t>
+            </a:r>
+            <a:endParaRPr lang="en-US" dirty="0" smtClean="0"/>
           </a:p>
           <a:p>
             <a:r>
@@ -4070,7 +4236,7 @@
               <a:buNone/>
             </a:pPr>
             <a:r>
-              <a:rPr lang="en-US" dirty="0" err="1" smtClean="0"/>
+              <a:rPr lang="en-US" b="1" dirty="0" err="1" smtClean="0"/>
               <a:t>header_union</a:t>
             </a:r>
             <a:r>
@@ -4100,7 +4266,11 @@
             </a:pPr>
             <a:r>
               <a:rPr lang="en-US" dirty="0" smtClean="0"/>
-              <a:t>hu.v4.setValid(true); hu.v6.setValid(true);</a:t>
+              <a:t>hu.v4.setValid(true); </a:t>
+            </a:r>
+            <a:r>
+              <a:rPr lang="en-US" dirty="0" smtClean="0"/>
+              <a:t>hu.v6.setValid(true);</a:t>
             </a:r>
           </a:p>
           <a:p>
@@ -4898,40 +5068,19 @@
             </a:r>
             <a:r>
               <a:rPr lang="en-US" dirty="0" smtClean="0"/>
-              <a:t> serialized when they are exposed to the control-plane? How about errors</a:t>
+              <a:t> serialized when they are exposed to the control-plane? How about errors?</a:t>
+            </a:r>
+          </a:p>
+          <a:p>
+            <a:r>
+              <a:rPr lang="en-US" dirty="0" smtClean="0"/>
+              <a:t>[9.2.5]: Should we allow tuple types to be declared explicitly</a:t>
             </a:r>
             <a:r>
               <a:rPr lang="en-US" dirty="0" smtClean="0"/>
               <a:t>?</a:t>
             </a:r>
-          </a:p>
-          <a:p>
-            <a:r>
-              <a:rPr lang="en-US" dirty="0" smtClean="0"/>
-              <a:t>[9.2.5]: Should we allow tuple types to be declared explicitly?</a:t>
-            </a:r>
             <a:endParaRPr lang="en-US" dirty="0" smtClean="0"/>
-          </a:p>
-          <a:p>
-            <a:r>
-              <a:rPr lang="en-US" dirty="0" smtClean="0"/>
-              <a:t>[10.3]: Do we follow C syntax for Boolean operators?	</a:t>
-            </a:r>
-          </a:p>
-          <a:p>
-            <a:pPr lvl="1"/>
-            <a:r>
-              <a:rPr lang="en-US" dirty="0" smtClean="0"/>
-              <a:t>I.e., we have separate | and ||, &amp; and &amp;&amp;</a:t>
-            </a:r>
-          </a:p>
-          <a:p>
-            <a:pPr lvl="1"/>
-            <a:r>
-              <a:rPr lang="en-US" dirty="0" smtClean="0"/>
-              <a:t>or, and, not</a:t>
-            </a:r>
-            <a:endParaRPr lang="en-US" dirty="0"/>
           </a:p>
         </p:txBody>
       </p:sp>
@@ -5126,13 +5275,8 @@
             </a:r>
             <a:r>
               <a:rPr lang="en-US" dirty="0" smtClean="0"/>
-              <a:t>(false); stack[4] = stack[8</a:t>
-            </a:r>
-            <a:r>
-              <a:rPr lang="en-US" dirty="0" smtClean="0"/>
-              <a:t>]</a:t>
-            </a:r>
-            <a:endParaRPr lang="en-US" dirty="0" smtClean="0"/>
+              <a:t>(false); stack[4] = stack[8]</a:t>
+            </a:r>
           </a:p>
         </p:txBody>
       </p:sp>
@@ -5828,7 +5972,7 @@
         </p:spPr>
         <p:txBody>
           <a:bodyPr>
-            <a:normAutofit lnSpcReduction="10000"/>
+            <a:normAutofit fontScale="92500" lnSpcReduction="10000"/>
           </a:bodyPr>
           <a:lstStyle/>
           <a:p>
@@ -5980,9 +6124,40 @@
             </a:r>
             <a:r>
               <a:rPr lang="en-US" dirty="0" smtClean="0"/>
-              <a:t>(a, b)</a:t>
-            </a:r>
-            <a:endParaRPr lang="en-US" dirty="0"/>
+              <a:t>(a</a:t>
+            </a:r>
+            <a:r>
+              <a:rPr lang="en-US" dirty="0" smtClean="0"/>
+              <a:t>, b</a:t>
+            </a:r>
+            <a:r>
+              <a:rPr lang="en-US" dirty="0" smtClean="0"/>
+              <a:t>) // this has </a:t>
+            </a:r>
+            <a:r>
+              <a:rPr lang="en-US" dirty="0" err="1" smtClean="0"/>
+              <a:t>typechecking</a:t>
+            </a:r>
+            <a:r>
+              <a:rPr lang="en-US" dirty="0" smtClean="0"/>
+              <a:t> problems</a:t>
+            </a:r>
+          </a:p>
+          <a:p>
+            <a:pPr lvl="1"/>
+            <a:r>
+              <a:rPr lang="en-US" dirty="0" err="1" smtClean="0"/>
+              <a:t>packet.lookahead</a:t>
+            </a:r>
+            <a:r>
+              <a:rPr lang="en-US" dirty="0" smtClean="0"/>
+              <a:t>&lt;ipv4&gt;().</a:t>
+            </a:r>
+            <a:r>
+              <a:rPr lang="en-US" dirty="0" err="1" smtClean="0"/>
+              <a:t>ihl</a:t>
+            </a:r>
+            <a:endParaRPr lang="en-US" dirty="0" smtClean="0"/>
           </a:p>
         </p:txBody>
       </p:sp>
